--- a/RxJava.pptx
+++ b/RxJava.pptx
@@ -7,7 +7,9 @@
   <p:sldIdLst>
     <p:sldId id="257" r:id="rId2"/>
     <p:sldId id="258" r:id="rId3"/>
-    <p:sldId id="259" r:id="rId4"/>
+    <p:sldId id="263" r:id="rId4"/>
+    <p:sldId id="261" r:id="rId5"/>
+    <p:sldId id="262" r:id="rId6"/>
   </p:sldIdLst>
   <p:sldSz cx="12192000" cy="6858000"/>
   <p:notesSz cx="6858000" cy="9144000"/>
@@ -272,7 +274,7 @@
           <a:p>
             <a:fld id="{4103A848-F1C0-40B4-8964-C41C014F2A17}" type="datetimeFigureOut">
               <a:rPr lang="ko-KR" altLang="en-US" smtClean="0"/>
-              <a:t>2021-09-14</a:t>
+              <a:t>2021-09-19</a:t>
             </a:fld>
             <a:endParaRPr lang="ko-KR" altLang="en-US"/>
           </a:p>
@@ -470,7 +472,7 @@
           <a:p>
             <a:fld id="{4103A848-F1C0-40B4-8964-C41C014F2A17}" type="datetimeFigureOut">
               <a:rPr lang="ko-KR" altLang="en-US" smtClean="0"/>
-              <a:t>2021-09-14</a:t>
+              <a:t>2021-09-19</a:t>
             </a:fld>
             <a:endParaRPr lang="ko-KR" altLang="en-US"/>
           </a:p>
@@ -678,7 +680,7 @@
           <a:p>
             <a:fld id="{4103A848-F1C0-40B4-8964-C41C014F2A17}" type="datetimeFigureOut">
               <a:rPr lang="ko-KR" altLang="en-US" smtClean="0"/>
-              <a:t>2021-09-14</a:t>
+              <a:t>2021-09-19</a:t>
             </a:fld>
             <a:endParaRPr lang="ko-KR" altLang="en-US"/>
           </a:p>
@@ -876,7 +878,7 @@
           <a:p>
             <a:fld id="{4103A848-F1C0-40B4-8964-C41C014F2A17}" type="datetimeFigureOut">
               <a:rPr lang="ko-KR" altLang="en-US" smtClean="0"/>
-              <a:t>2021-09-14</a:t>
+              <a:t>2021-09-19</a:t>
             </a:fld>
             <a:endParaRPr lang="ko-KR" altLang="en-US"/>
           </a:p>
@@ -1151,7 +1153,7 @@
           <a:p>
             <a:fld id="{4103A848-F1C0-40B4-8964-C41C014F2A17}" type="datetimeFigureOut">
               <a:rPr lang="ko-KR" altLang="en-US" smtClean="0"/>
-              <a:t>2021-09-14</a:t>
+              <a:t>2021-09-19</a:t>
             </a:fld>
             <a:endParaRPr lang="ko-KR" altLang="en-US"/>
           </a:p>
@@ -1416,7 +1418,7 @@
           <a:p>
             <a:fld id="{4103A848-F1C0-40B4-8964-C41C014F2A17}" type="datetimeFigureOut">
               <a:rPr lang="ko-KR" altLang="en-US" smtClean="0"/>
-              <a:t>2021-09-14</a:t>
+              <a:t>2021-09-19</a:t>
             </a:fld>
             <a:endParaRPr lang="ko-KR" altLang="en-US"/>
           </a:p>
@@ -1828,7 +1830,7 @@
           <a:p>
             <a:fld id="{4103A848-F1C0-40B4-8964-C41C014F2A17}" type="datetimeFigureOut">
               <a:rPr lang="ko-KR" altLang="en-US" smtClean="0"/>
-              <a:t>2021-09-14</a:t>
+              <a:t>2021-09-19</a:t>
             </a:fld>
             <a:endParaRPr lang="ko-KR" altLang="en-US"/>
           </a:p>
@@ -1969,7 +1971,7 @@
           <a:p>
             <a:fld id="{4103A848-F1C0-40B4-8964-C41C014F2A17}" type="datetimeFigureOut">
               <a:rPr lang="ko-KR" altLang="en-US" smtClean="0"/>
-              <a:t>2021-09-14</a:t>
+              <a:t>2021-09-19</a:t>
             </a:fld>
             <a:endParaRPr lang="ko-KR" altLang="en-US"/>
           </a:p>
@@ -2082,7 +2084,7 @@
           <a:p>
             <a:fld id="{4103A848-F1C0-40B4-8964-C41C014F2A17}" type="datetimeFigureOut">
               <a:rPr lang="ko-KR" altLang="en-US" smtClean="0"/>
-              <a:t>2021-09-14</a:t>
+              <a:t>2021-09-19</a:t>
             </a:fld>
             <a:endParaRPr lang="ko-KR" altLang="en-US"/>
           </a:p>
@@ -2393,7 +2395,7 @@
           <a:p>
             <a:fld id="{4103A848-F1C0-40B4-8964-C41C014F2A17}" type="datetimeFigureOut">
               <a:rPr lang="ko-KR" altLang="en-US" smtClean="0"/>
-              <a:t>2021-09-14</a:t>
+              <a:t>2021-09-19</a:t>
             </a:fld>
             <a:endParaRPr lang="ko-KR" altLang="en-US"/>
           </a:p>
@@ -2681,7 +2683,7 @@
           <a:p>
             <a:fld id="{4103A848-F1C0-40B4-8964-C41C014F2A17}" type="datetimeFigureOut">
               <a:rPr lang="ko-KR" altLang="en-US" smtClean="0"/>
-              <a:t>2021-09-14</a:t>
+              <a:t>2021-09-19</a:t>
             </a:fld>
             <a:endParaRPr lang="ko-KR" altLang="en-US"/>
           </a:p>
@@ -2922,7 +2924,7 @@
           <a:p>
             <a:fld id="{4103A848-F1C0-40B4-8964-C41C014F2A17}" type="datetimeFigureOut">
               <a:rPr lang="ko-KR" altLang="en-US" smtClean="0"/>
-              <a:t>2021-09-14</a:t>
+              <a:t>2021-09-19</a:t>
             </a:fld>
             <a:endParaRPr lang="ko-KR" altLang="en-US"/>
           </a:p>
@@ -5951,7 +5953,7 @@
           <p:cNvPr id="2" name="제목 1">
             <a:extLst>
               <a:ext uri="{FF2B5EF4-FFF2-40B4-BE49-F238E27FC236}">
-                <a16:creationId xmlns:a16="http://schemas.microsoft.com/office/drawing/2014/main" id="{DB6EF887-6E50-4E18-A618-ADE3E8DED553}"/>
+                <a16:creationId xmlns:a16="http://schemas.microsoft.com/office/drawing/2014/main" id="{872AAFB0-DB15-4E9A-950E-884CCC5A1CEA}"/>
               </a:ext>
             </a:extLst>
           </p:cNvPr>
@@ -5968,19 +5970,296 @@
           <a:lstStyle/>
           <a:p>
             <a:r>
-              <a:rPr lang="en-US" altLang="ko-KR" dirty="0" err="1"/>
-              <a:t>flatMap</a:t>
+              <a:rPr lang="en-US" altLang="ko-KR" dirty="0"/>
+              <a:t>map</a:t>
             </a:r>
             <a:endParaRPr lang="ko-KR" altLang="en-US" dirty="0"/>
           </a:p>
         </p:txBody>
       </p:sp>
-      <p:sp>
-        <p:nvSpPr>
-          <p:cNvPr id="3" name="내용 개체 틀 2">
-            <a:extLst>
-              <a:ext uri="{FF2B5EF4-FFF2-40B4-BE49-F238E27FC236}">
-                <a16:creationId xmlns:a16="http://schemas.microsoft.com/office/drawing/2014/main" id="{0AE164F3-B2E3-449A-999C-497BC9C06392}"/>
+      <p:pic>
+        <p:nvPicPr>
+          <p:cNvPr id="4098" name="Picture 2" descr="materialize.png (1280×630)">
+            <a:extLst>
+              <a:ext uri="{FF2B5EF4-FFF2-40B4-BE49-F238E27FC236}">
+                <a16:creationId xmlns:a16="http://schemas.microsoft.com/office/drawing/2014/main" id="{749B95E0-E475-4F0D-A183-32C5977B1F13}"/>
+              </a:ext>
+            </a:extLst>
+          </p:cNvPr>
+          <p:cNvPicPr>
+            <a:picLocks noGrp="1" noChangeAspect="1" noChangeArrowheads="1"/>
+          </p:cNvPicPr>
+          <p:nvPr>
+            <p:ph idx="1"/>
+          </p:nvPr>
+        </p:nvPicPr>
+        <p:blipFill>
+          <a:blip r:embed="rId2">
+            <a:extLst>
+              <a:ext uri="{28A0092B-C50C-407E-A947-70E740481C1C}">
+                <a14:useLocalDpi xmlns:a14="http://schemas.microsoft.com/office/drawing/2010/main" val="0"/>
+              </a:ext>
+            </a:extLst>
+          </a:blip>
+          <a:srcRect/>
+          <a:stretch>
+            <a:fillRect/>
+          </a:stretch>
+        </p:blipFill>
+        <p:spPr bwMode="auto">
+          <a:xfrm>
+            <a:off x="2031791" y="2000941"/>
+            <a:ext cx="8128418" cy="4000706"/>
+          </a:xfrm>
+          <a:prstGeom prst="rect">
+            <a:avLst/>
+          </a:prstGeom>
+          <a:noFill/>
+          <a:extLst>
+            <a:ext uri="{909E8E84-426E-40DD-AFC4-6F175D3DCCD1}">
+              <a14:hiddenFill xmlns:a14="http://schemas.microsoft.com/office/drawing/2010/main">
+                <a:solidFill>
+                  <a:srgbClr val="FFFFFF"/>
+                </a:solidFill>
+              </a14:hiddenFill>
+            </a:ext>
+          </a:extLst>
+        </p:spPr>
+      </p:pic>
+      <p:sp>
+        <p:nvSpPr>
+          <p:cNvPr id="4" name="직사각형 3">
+            <a:extLst>
+              <a:ext uri="{FF2B5EF4-FFF2-40B4-BE49-F238E27FC236}">
+                <a16:creationId xmlns:a16="http://schemas.microsoft.com/office/drawing/2014/main" id="{AA38BF33-6F56-451B-B501-06582F537D89}"/>
+              </a:ext>
+            </a:extLst>
+          </p:cNvPr>
+          <p:cNvSpPr/>
+          <p:nvPr/>
+        </p:nvSpPr>
+        <p:spPr>
+          <a:xfrm>
+            <a:off x="111852" y="5934670"/>
+            <a:ext cx="12080147" cy="646331"/>
+          </a:xfrm>
+          <a:prstGeom prst="rect">
+            <a:avLst/>
+          </a:prstGeom>
+        </p:spPr>
+        <p:txBody>
+          <a:bodyPr wrap="square">
+            <a:spAutoFit/>
+          </a:bodyPr>
+          <a:lstStyle/>
+          <a:p>
+            <a:r>
+              <a:rPr lang="ko-KR" altLang="en-US" dirty="0" err="1"/>
+              <a:t>Returns</a:t>
+            </a:r>
+            <a:r>
+              <a:rPr lang="ko-KR" altLang="en-US" dirty="0"/>
+              <a:t> </a:t>
+            </a:r>
+            <a:r>
+              <a:rPr lang="ko-KR" altLang="en-US" dirty="0" err="1"/>
+              <a:t>a</a:t>
+            </a:r>
+            <a:r>
+              <a:rPr lang="ko-KR" altLang="en-US" dirty="0"/>
+              <a:t> </a:t>
+            </a:r>
+            <a:r>
+              <a:rPr lang="ko-KR" altLang="en-US" dirty="0" err="1"/>
+              <a:t>Flowable</a:t>
+            </a:r>
+            <a:r>
+              <a:rPr lang="ko-KR" altLang="en-US" dirty="0"/>
+              <a:t> </a:t>
+            </a:r>
+            <a:r>
+              <a:rPr lang="ko-KR" altLang="en-US" dirty="0" err="1"/>
+              <a:t>that</a:t>
+            </a:r>
+            <a:r>
+              <a:rPr lang="ko-KR" altLang="en-US" dirty="0"/>
+              <a:t> </a:t>
+            </a:r>
+            <a:r>
+              <a:rPr lang="ko-KR" altLang="en-US" dirty="0" err="1"/>
+              <a:t>applies</a:t>
+            </a:r>
+            <a:r>
+              <a:rPr lang="ko-KR" altLang="en-US" dirty="0"/>
+              <a:t> </a:t>
+            </a:r>
+            <a:r>
+              <a:rPr lang="ko-KR" altLang="en-US" b="1" dirty="0" err="1"/>
+              <a:t>a</a:t>
+            </a:r>
+            <a:r>
+              <a:rPr lang="ko-KR" altLang="en-US" b="1" dirty="0"/>
+              <a:t> </a:t>
+            </a:r>
+            <a:r>
+              <a:rPr lang="ko-KR" altLang="en-US" b="1" dirty="0" err="1"/>
+              <a:t>specified</a:t>
+            </a:r>
+            <a:r>
+              <a:rPr lang="ko-KR" altLang="en-US" b="1" dirty="0"/>
+              <a:t> </a:t>
+            </a:r>
+            <a:r>
+              <a:rPr lang="ko-KR" altLang="en-US" b="1" dirty="0" err="1"/>
+              <a:t>function</a:t>
+            </a:r>
+            <a:r>
+              <a:rPr lang="ko-KR" altLang="en-US" b="1" dirty="0"/>
+              <a:t> </a:t>
+            </a:r>
+            <a:r>
+              <a:rPr lang="ko-KR" altLang="en-US" b="1" dirty="0" err="1"/>
+              <a:t>to</a:t>
+            </a:r>
+            <a:r>
+              <a:rPr lang="ko-KR" altLang="en-US" b="1" dirty="0"/>
+              <a:t> </a:t>
+            </a:r>
+            <a:r>
+              <a:rPr lang="ko-KR" altLang="en-US" b="1" dirty="0" err="1"/>
+              <a:t>each</a:t>
+            </a:r>
+            <a:r>
+              <a:rPr lang="ko-KR" altLang="en-US" b="1" dirty="0"/>
+              <a:t> </a:t>
+            </a:r>
+            <a:r>
+              <a:rPr lang="ko-KR" altLang="en-US" b="1" dirty="0" err="1"/>
+              <a:t>item</a:t>
+            </a:r>
+            <a:r>
+              <a:rPr lang="ko-KR" altLang="en-US" b="1" dirty="0"/>
+              <a:t> </a:t>
+            </a:r>
+            <a:r>
+              <a:rPr lang="ko-KR" altLang="en-US" b="1" dirty="0" err="1"/>
+              <a:t>emitted</a:t>
+            </a:r>
+            <a:r>
+              <a:rPr lang="ko-KR" altLang="en-US" b="1" dirty="0"/>
+              <a:t> </a:t>
+            </a:r>
+            <a:r>
+              <a:rPr lang="ko-KR" altLang="en-US" dirty="0" err="1"/>
+              <a:t>by</a:t>
+            </a:r>
+            <a:r>
+              <a:rPr lang="ko-KR" altLang="en-US" dirty="0"/>
+              <a:t> </a:t>
+            </a:r>
+            <a:r>
+              <a:rPr lang="ko-KR" altLang="en-US" dirty="0" err="1"/>
+              <a:t>the</a:t>
+            </a:r>
+            <a:r>
+              <a:rPr lang="ko-KR" altLang="en-US" dirty="0"/>
+              <a:t> </a:t>
+            </a:r>
+            <a:r>
+              <a:rPr lang="ko-KR" altLang="en-US" dirty="0" err="1"/>
+              <a:t>source</a:t>
+            </a:r>
+            <a:r>
+              <a:rPr lang="ko-KR" altLang="en-US" dirty="0"/>
+              <a:t> Publisher and </a:t>
+            </a:r>
+            <a:r>
+              <a:rPr lang="ko-KR" altLang="en-US" dirty="0" err="1"/>
+              <a:t>emits</a:t>
+            </a:r>
+            <a:r>
+              <a:rPr lang="ko-KR" altLang="en-US" dirty="0"/>
+              <a:t> </a:t>
+            </a:r>
+            <a:r>
+              <a:rPr lang="ko-KR" altLang="en-US" dirty="0" err="1"/>
+              <a:t>the</a:t>
+            </a:r>
+            <a:r>
+              <a:rPr lang="ko-KR" altLang="en-US" dirty="0"/>
+              <a:t> </a:t>
+            </a:r>
+            <a:r>
+              <a:rPr lang="ko-KR" altLang="en-US" dirty="0" err="1"/>
+              <a:t>results</a:t>
+            </a:r>
+            <a:r>
+              <a:rPr lang="ko-KR" altLang="en-US" dirty="0"/>
+              <a:t> of </a:t>
+            </a:r>
+            <a:r>
+              <a:rPr lang="ko-KR" altLang="en-US" dirty="0" err="1"/>
+              <a:t>these</a:t>
+            </a:r>
+            <a:r>
+              <a:rPr lang="ko-KR" altLang="en-US" dirty="0"/>
+              <a:t> </a:t>
+            </a:r>
+            <a:r>
+              <a:rPr lang="ko-KR" altLang="en-US" dirty="0" err="1"/>
+              <a:t>function</a:t>
+            </a:r>
+            <a:r>
+              <a:rPr lang="ko-KR" altLang="en-US" dirty="0"/>
+              <a:t> </a:t>
+            </a:r>
+            <a:r>
+              <a:rPr lang="ko-KR" altLang="en-US" dirty="0" err="1"/>
+              <a:t>applications</a:t>
+            </a:r>
+            <a:r>
+              <a:rPr lang="ko-KR" altLang="en-US" dirty="0"/>
+              <a:t>.</a:t>
+            </a:r>
+          </a:p>
+        </p:txBody>
+      </p:sp>
+    </p:spTree>
+    <p:extLst>
+      <p:ext uri="{BB962C8B-B14F-4D97-AF65-F5344CB8AC3E}">
+        <p14:creationId xmlns:p14="http://schemas.microsoft.com/office/powerpoint/2010/main" val="2140039171"/>
+      </p:ext>
+    </p:extLst>
+  </p:cSld>
+  <p:clrMapOvr>
+    <a:masterClrMapping/>
+  </p:clrMapOvr>
+</p:sld>
+</file>
+
+<file path=ppt/slides/slide4.xml><?xml version="1.0" encoding="utf-8"?>
+<p:sld xmlns:a="http://schemas.openxmlformats.org/drawingml/2006/main" xmlns:r="http://schemas.openxmlformats.org/officeDocument/2006/relationships" xmlns:p="http://schemas.openxmlformats.org/presentationml/2006/main">
+  <p:cSld>
+    <p:spTree>
+      <p:nvGrpSpPr>
+        <p:cNvPr id="1" name=""/>
+        <p:cNvGrpSpPr/>
+        <p:nvPr/>
+      </p:nvGrpSpPr>
+      <p:grpSpPr>
+        <a:xfrm>
+          <a:off x="0" y="0"/>
+          <a:ext cx="0" cy="0"/>
+          <a:chOff x="0" y="0"/>
+          <a:chExt cx="0" cy="0"/>
+        </a:xfrm>
+      </p:grpSpPr>
+      <p:sp>
+        <p:nvSpPr>
+          <p:cNvPr id="2" name="제목 1">
+            <a:extLst>
+              <a:ext uri="{FF2B5EF4-FFF2-40B4-BE49-F238E27FC236}">
+                <a16:creationId xmlns:a16="http://schemas.microsoft.com/office/drawing/2014/main" id="{DA12570F-3B67-43A2-A786-6AA43B142999}"/>
               </a:ext>
             </a:extLst>
           </p:cNvPr>
@@ -5988,21 +6267,265 @@
             <a:spLocks noGrp="1"/>
           </p:cNvSpPr>
           <p:nvPr>
+            <p:ph type="title"/>
+          </p:nvPr>
+        </p:nvSpPr>
+        <p:spPr/>
+        <p:txBody>
+          <a:bodyPr/>
+          <a:lstStyle/>
+          <a:p>
+            <a:r>
+              <a:rPr lang="en-US" altLang="ko-KR" dirty="0" err="1"/>
+              <a:t>floatMap</a:t>
+            </a:r>
+            <a:endParaRPr lang="ko-KR" altLang="en-US" dirty="0"/>
+          </a:p>
+        </p:txBody>
+      </p:sp>
+      <p:pic>
+        <p:nvPicPr>
+          <p:cNvPr id="2050" name="Picture 2" descr="mergeMap.r.png (1280×780)">
+            <a:extLst>
+              <a:ext uri="{FF2B5EF4-FFF2-40B4-BE49-F238E27FC236}">
+                <a16:creationId xmlns:a16="http://schemas.microsoft.com/office/drawing/2014/main" id="{F3A6D5F9-A405-4BD8-B39B-FFBCF568B7E8}"/>
+              </a:ext>
+            </a:extLst>
+          </p:cNvPr>
+          <p:cNvPicPr>
+            <a:picLocks noGrp="1" noChangeAspect="1" noChangeArrowheads="1"/>
+          </p:cNvPicPr>
+          <p:nvPr>
             <p:ph idx="1"/>
           </p:nvPr>
-        </p:nvSpPr>
-        <p:spPr/>
-        <p:txBody>
-          <a:bodyPr/>
-          <a:lstStyle/>
-          <a:p>
-            <a:r>
-              <a:rPr lang="en-US" altLang="ko-KR" dirty="0"/>
-              <a:t>Null </a:t>
+        </p:nvPicPr>
+        <p:blipFill>
+          <a:blip r:embed="rId2">
+            <a:extLst>
+              <a:ext uri="{28A0092B-C50C-407E-A947-70E740481C1C}">
+                <a14:useLocalDpi xmlns:a14="http://schemas.microsoft.com/office/drawing/2010/main" val="0"/>
+              </a:ext>
+            </a:extLst>
+          </a:blip>
+          <a:srcRect/>
+          <a:stretch>
+            <a:fillRect/>
+          </a:stretch>
+        </p:blipFill>
+        <p:spPr bwMode="auto">
+          <a:xfrm>
+            <a:off x="2525672" y="1825625"/>
+            <a:ext cx="7140656" cy="4351338"/>
+          </a:xfrm>
+          <a:prstGeom prst="rect">
+            <a:avLst/>
+          </a:prstGeom>
+          <a:noFill/>
+          <a:extLst>
+            <a:ext uri="{909E8E84-426E-40DD-AFC4-6F175D3DCCD1}">
+              <a14:hiddenFill xmlns:a14="http://schemas.microsoft.com/office/drawing/2010/main">
+                <a:solidFill>
+                  <a:srgbClr val="FFFFFF"/>
+                </a:solidFill>
+              </a14:hiddenFill>
+            </a:ext>
+          </a:extLst>
+        </p:spPr>
+      </p:pic>
+      <p:sp>
+        <p:nvSpPr>
+          <p:cNvPr id="4" name="직사각형 3">
+            <a:extLst>
+              <a:ext uri="{FF2B5EF4-FFF2-40B4-BE49-F238E27FC236}">
+                <a16:creationId xmlns:a16="http://schemas.microsoft.com/office/drawing/2014/main" id="{8B93754B-E748-4FED-A04B-3E582AAA088E}"/>
+              </a:ext>
+            </a:extLst>
+          </p:cNvPr>
+          <p:cNvSpPr/>
+          <p:nvPr/>
+        </p:nvSpPr>
+        <p:spPr>
+          <a:xfrm>
+            <a:off x="0" y="6081544"/>
+            <a:ext cx="12192000" cy="646331"/>
+          </a:xfrm>
+          <a:prstGeom prst="rect">
+            <a:avLst/>
+          </a:prstGeom>
+        </p:spPr>
+        <p:txBody>
+          <a:bodyPr wrap="square">
+            <a:spAutoFit/>
+          </a:bodyPr>
+          <a:lstStyle/>
+          <a:p>
+            <a:r>
+              <a:rPr lang="ko-KR" altLang="en-US" dirty="0" err="1"/>
+              <a:t>Returns</a:t>
             </a:r>
             <a:r>
               <a:rPr lang="ko-KR" altLang="en-US" dirty="0"/>
-              <a:t>리턴이 가능한 마법 하지만 순서 보장은 하지 않음</a:t>
+              <a:t> </a:t>
+            </a:r>
+            <a:r>
+              <a:rPr lang="ko-KR" altLang="en-US" dirty="0" err="1"/>
+              <a:t>a</a:t>
+            </a:r>
+            <a:r>
+              <a:rPr lang="ko-KR" altLang="en-US" dirty="0"/>
+              <a:t> </a:t>
+            </a:r>
+            <a:r>
+              <a:rPr lang="ko-KR" altLang="en-US" dirty="0" err="1"/>
+              <a:t>Flowable</a:t>
+            </a:r>
+            <a:r>
+              <a:rPr lang="ko-KR" altLang="en-US" dirty="0"/>
+              <a:t> </a:t>
+            </a:r>
+            <a:r>
+              <a:rPr lang="ko-KR" altLang="en-US" dirty="0" err="1"/>
+              <a:t>that</a:t>
+            </a:r>
+            <a:r>
+              <a:rPr lang="ko-KR" altLang="en-US" dirty="0"/>
+              <a:t> </a:t>
+            </a:r>
+            <a:r>
+              <a:rPr lang="ko-KR" altLang="en-US" dirty="0" err="1"/>
+              <a:t>emits</a:t>
+            </a:r>
+            <a:r>
+              <a:rPr lang="ko-KR" altLang="en-US" dirty="0"/>
+              <a:t> </a:t>
+            </a:r>
+            <a:r>
+              <a:rPr lang="ko-KR" altLang="en-US" dirty="0" err="1"/>
+              <a:t>the</a:t>
+            </a:r>
+            <a:r>
+              <a:rPr lang="ko-KR" altLang="en-US" dirty="0"/>
+              <a:t> </a:t>
+            </a:r>
+            <a:r>
+              <a:rPr lang="ko-KR" altLang="en-US" dirty="0" err="1"/>
+              <a:t>results</a:t>
+            </a:r>
+            <a:r>
+              <a:rPr lang="ko-KR" altLang="en-US" dirty="0"/>
+              <a:t> of </a:t>
+            </a:r>
+            <a:r>
+              <a:rPr lang="ko-KR" altLang="en-US" dirty="0" err="1"/>
+              <a:t>a</a:t>
+            </a:r>
+            <a:r>
+              <a:rPr lang="ko-KR" altLang="en-US" dirty="0"/>
+              <a:t> </a:t>
+            </a:r>
+            <a:r>
+              <a:rPr lang="ko-KR" altLang="en-US" dirty="0" err="1"/>
+              <a:t>specified</a:t>
+            </a:r>
+            <a:r>
+              <a:rPr lang="ko-KR" altLang="en-US" dirty="0"/>
+              <a:t> </a:t>
+            </a:r>
+            <a:r>
+              <a:rPr lang="ko-KR" altLang="en-US" dirty="0" err="1"/>
+              <a:t>function</a:t>
+            </a:r>
+            <a:r>
+              <a:rPr lang="ko-KR" altLang="en-US" dirty="0"/>
+              <a:t> </a:t>
+            </a:r>
+            <a:r>
+              <a:rPr lang="ko-KR" altLang="en-US" dirty="0" err="1"/>
+              <a:t>to</a:t>
+            </a:r>
+            <a:r>
+              <a:rPr lang="ko-KR" altLang="en-US" dirty="0"/>
+              <a:t> </a:t>
+            </a:r>
+            <a:r>
+              <a:rPr lang="ko-KR" altLang="en-US" dirty="0" err="1"/>
+              <a:t>the</a:t>
+            </a:r>
+            <a:r>
+              <a:rPr lang="ko-KR" altLang="en-US" dirty="0"/>
+              <a:t> </a:t>
+            </a:r>
+            <a:r>
+              <a:rPr lang="ko-KR" altLang="en-US" dirty="0" err="1"/>
+              <a:t>pair</a:t>
+            </a:r>
+            <a:r>
+              <a:rPr lang="ko-KR" altLang="en-US" dirty="0"/>
+              <a:t> of </a:t>
+            </a:r>
+            <a:r>
+              <a:rPr lang="ko-KR" altLang="en-US" dirty="0" err="1"/>
+              <a:t>values</a:t>
+            </a:r>
+            <a:r>
+              <a:rPr lang="ko-KR" altLang="en-US" dirty="0"/>
+              <a:t> </a:t>
+            </a:r>
+            <a:r>
+              <a:rPr lang="ko-KR" altLang="en-US" dirty="0" err="1"/>
+              <a:t>emitted</a:t>
+            </a:r>
+            <a:r>
+              <a:rPr lang="ko-KR" altLang="en-US" dirty="0"/>
+              <a:t> </a:t>
+            </a:r>
+            <a:r>
+              <a:rPr lang="ko-KR" altLang="en-US" dirty="0" err="1"/>
+              <a:t>by</a:t>
+            </a:r>
+            <a:r>
+              <a:rPr lang="ko-KR" altLang="en-US" dirty="0"/>
+              <a:t> </a:t>
+            </a:r>
+            <a:r>
+              <a:rPr lang="ko-KR" altLang="en-US" dirty="0" err="1"/>
+              <a:t>the</a:t>
+            </a:r>
+            <a:r>
+              <a:rPr lang="ko-KR" altLang="en-US" dirty="0"/>
+              <a:t> </a:t>
+            </a:r>
+            <a:r>
+              <a:rPr lang="ko-KR" altLang="en-US" dirty="0" err="1"/>
+              <a:t>source</a:t>
+            </a:r>
+            <a:r>
+              <a:rPr lang="ko-KR" altLang="en-US" dirty="0"/>
+              <a:t> Publisher and </a:t>
+            </a:r>
+            <a:r>
+              <a:rPr lang="ko-KR" altLang="en-US" dirty="0" err="1"/>
+              <a:t>a</a:t>
+            </a:r>
+            <a:r>
+              <a:rPr lang="ko-KR" altLang="en-US" dirty="0"/>
+              <a:t> </a:t>
+            </a:r>
+            <a:r>
+              <a:rPr lang="ko-KR" altLang="en-US" dirty="0" err="1"/>
+              <a:t>specified</a:t>
+            </a:r>
+            <a:r>
+              <a:rPr lang="ko-KR" altLang="en-US" dirty="0"/>
+              <a:t> </a:t>
+            </a:r>
+            <a:r>
+              <a:rPr lang="ko-KR" altLang="en-US" dirty="0" err="1"/>
+              <a:t>collection</a:t>
+            </a:r>
+            <a:r>
+              <a:rPr lang="ko-KR" altLang="en-US" dirty="0"/>
+              <a:t> Publisher.</a:t>
             </a:r>
           </a:p>
         </p:txBody>
@@ -6010,7 +6533,115 @@
     </p:spTree>
     <p:extLst>
       <p:ext uri="{BB962C8B-B14F-4D97-AF65-F5344CB8AC3E}">
-        <p14:creationId xmlns:p14="http://schemas.microsoft.com/office/powerpoint/2010/main" val="3463255578"/>
+        <p14:creationId xmlns:p14="http://schemas.microsoft.com/office/powerpoint/2010/main" val="3708924186"/>
+      </p:ext>
+    </p:extLst>
+  </p:cSld>
+  <p:clrMapOvr>
+    <a:masterClrMapping/>
+  </p:clrMapOvr>
+</p:sld>
+</file>
+
+<file path=ppt/slides/slide5.xml><?xml version="1.0" encoding="utf-8"?>
+<p:sld xmlns:a="http://schemas.openxmlformats.org/drawingml/2006/main" xmlns:r="http://schemas.openxmlformats.org/officeDocument/2006/relationships" xmlns:p="http://schemas.openxmlformats.org/presentationml/2006/main">
+  <p:cSld>
+    <p:spTree>
+      <p:nvGrpSpPr>
+        <p:cNvPr id="1" name=""/>
+        <p:cNvGrpSpPr/>
+        <p:nvPr/>
+      </p:nvGrpSpPr>
+      <p:grpSpPr>
+        <a:xfrm>
+          <a:off x="0" y="0"/>
+          <a:ext cx="0" cy="0"/>
+          <a:chOff x="0" y="0"/>
+          <a:chExt cx="0" cy="0"/>
+        </a:xfrm>
+      </p:grpSpPr>
+      <p:sp>
+        <p:nvSpPr>
+          <p:cNvPr id="2" name="제목 1">
+            <a:extLst>
+              <a:ext uri="{FF2B5EF4-FFF2-40B4-BE49-F238E27FC236}">
+                <a16:creationId xmlns:a16="http://schemas.microsoft.com/office/drawing/2014/main" id="{160EB128-84D2-4D15-81EB-29BADA094E46}"/>
+              </a:ext>
+            </a:extLst>
+          </p:cNvPr>
+          <p:cNvSpPr>
+            <a:spLocks noGrp="1"/>
+          </p:cNvSpPr>
+          <p:nvPr>
+            <p:ph type="title"/>
+          </p:nvPr>
+        </p:nvSpPr>
+        <p:spPr/>
+        <p:txBody>
+          <a:bodyPr/>
+          <a:lstStyle/>
+          <a:p>
+            <a:r>
+              <a:rPr lang="en-US" altLang="ko-KR" dirty="0" err="1"/>
+              <a:t>concatMap</a:t>
+            </a:r>
+            <a:endParaRPr lang="ko-KR" altLang="en-US" dirty="0"/>
+          </a:p>
+        </p:txBody>
+      </p:sp>
+      <p:pic>
+        <p:nvPicPr>
+          <p:cNvPr id="3074" name="Picture 2" descr="concatMap.png (1280×610)">
+            <a:extLst>
+              <a:ext uri="{FF2B5EF4-FFF2-40B4-BE49-F238E27FC236}">
+                <a16:creationId xmlns:a16="http://schemas.microsoft.com/office/drawing/2014/main" id="{F2F41C31-F18D-45DE-A75D-7765250E614A}"/>
+              </a:ext>
+            </a:extLst>
+          </p:cNvPr>
+          <p:cNvPicPr>
+            <a:picLocks noGrp="1" noChangeAspect="1" noChangeArrowheads="1"/>
+          </p:cNvPicPr>
+          <p:nvPr>
+            <p:ph idx="1"/>
+          </p:nvPr>
+        </p:nvPicPr>
+        <p:blipFill>
+          <a:blip r:embed="rId2">
+            <a:extLst>
+              <a:ext uri="{28A0092B-C50C-407E-A947-70E740481C1C}">
+                <a14:useLocalDpi xmlns:a14="http://schemas.microsoft.com/office/drawing/2010/main" val="0"/>
+              </a:ext>
+            </a:extLst>
+          </a:blip>
+          <a:srcRect/>
+          <a:stretch>
+            <a:fillRect/>
+          </a:stretch>
+        </p:blipFill>
+        <p:spPr bwMode="auto">
+          <a:xfrm>
+            <a:off x="2031791" y="2064444"/>
+            <a:ext cx="8128418" cy="3873699"/>
+          </a:xfrm>
+          <a:prstGeom prst="rect">
+            <a:avLst/>
+          </a:prstGeom>
+          <a:noFill/>
+          <a:extLst>
+            <a:ext uri="{909E8E84-426E-40DD-AFC4-6F175D3DCCD1}">
+              <a14:hiddenFill xmlns:a14="http://schemas.microsoft.com/office/drawing/2010/main">
+                <a:solidFill>
+                  <a:srgbClr val="FFFFFF"/>
+                </a:solidFill>
+              </a14:hiddenFill>
+            </a:ext>
+          </a:extLst>
+        </p:spPr>
+      </p:pic>
+    </p:spTree>
+    <p:extLst>
+      <p:ext uri="{BB962C8B-B14F-4D97-AF65-F5344CB8AC3E}">
+        <p14:creationId xmlns:p14="http://schemas.microsoft.com/office/powerpoint/2010/main" val="982660229"/>
       </p:ext>
     </p:extLst>
   </p:cSld>
